--- a/lesson-9/lesson-09.pptx
+++ b/lesson-9/lesson-09.pptx
@@ -369,7 +369,7 @@
             <a:fld id="{8C964B9E-706D-9244-A1DC-4FB421A588C6}" type="datetimeFigureOut">
               <a:rPr lang="en-US" smtClean="0"/>
               <a:pPr/>
-              <a:t>4/21/24</a:t>
+              <a:t>4/22/24</a:t>
             </a:fld>
             <a:endParaRPr lang="en-US" dirty="0"/>
           </a:p>
@@ -537,7 +537,7 @@
             <a:fld id="{88BC6610-5836-4B43-8846-CBEDBE42B4FC}" type="datetimeFigureOut">
               <a:rPr lang="en-US" smtClean="0"/>
               <a:pPr/>
-              <a:t>4/21/24</a:t>
+              <a:t>4/22/24</a:t>
             </a:fld>
             <a:endParaRPr lang="en-US" dirty="0"/>
           </a:p>
@@ -3872,7 +3872,9 @@
                 <a14:m>
                   <m:oMath xmlns:m="http://schemas.openxmlformats.org/officeDocument/2006/math">
                     <m:r>
-                      <a:rPr lang="zh-CN" altLang="en-US"/>
+                      <a:rPr lang="zh-CN" altLang="en-US">
+                        <a:latin typeface="Cambria Math" panose="02040503050406030204" pitchFamily="18" charset="0"/>
+                      </a:rPr>
                       <m:t>通常</m:t>
                     </m:r>
                   </m:oMath>
@@ -3934,10 +3936,10 @@
                             </m:e>
                             <m:sub>
                               <m:r>
-                                <a:rPr lang="en-US" altLang="zh-CN" i="1">
+                                <a:rPr lang="en-US" altLang="zh-CN" b="0" i="1" smtClean="0">
                                   <a:latin typeface="Cambria Math" panose="02040503050406030204" pitchFamily="18" charset="0"/>
                                 </a:rPr>
-                                <m:t>1</m:t>
+                                <m:t>𝑖</m:t>
                               </m:r>
                             </m:sub>
                           </m:sSub>
@@ -5206,8 +5208,8 @@
           </a:p>
         </p:txBody>
       </p:sp>
-      <mc:AlternateContent xmlns:mc="http://schemas.openxmlformats.org/markup-compatibility/2006">
-        <mc:Choice xmlns:a14="http://schemas.microsoft.com/office/drawing/2010/main" Requires="a14">
+      <mc:AlternateContent xmlns:mc="http://schemas.openxmlformats.org/markup-compatibility/2006" xmlns:a14="http://schemas.microsoft.com/office/drawing/2010/main">
+        <mc:Choice Requires="a14">
           <p:sp>
             <p:nvSpPr>
               <p:cNvPr id="3" name="内容占位符 2">
@@ -5304,7 +5306,7 @@
             </p:txBody>
           </p:sp>
         </mc:Choice>
-        <mc:Fallback>
+        <mc:Fallback xmlns="">
           <p:sp>
             <p:nvSpPr>
               <p:cNvPr id="3" name="内容占位符 2">
@@ -5498,8 +5500,8 @@
           </a:p>
         </p:txBody>
       </p:sp>
-      <mc:AlternateContent xmlns:mc="http://schemas.openxmlformats.org/markup-compatibility/2006">
-        <mc:Choice xmlns:a14="http://schemas.microsoft.com/office/drawing/2010/main" Requires="a14">
+      <mc:AlternateContent xmlns:mc="http://schemas.openxmlformats.org/markup-compatibility/2006" xmlns:a14="http://schemas.microsoft.com/office/drawing/2010/main">
+        <mc:Choice Requires="a14">
           <p:sp>
             <p:nvSpPr>
               <p:cNvPr id="3" name="内容占位符 2">
@@ -6049,7 +6051,7 @@
             </p:txBody>
           </p:sp>
         </mc:Choice>
-        <mc:Fallback>
+        <mc:Fallback xmlns="">
           <p:sp>
             <p:nvSpPr>
               <p:cNvPr id="3" name="内容占位符 2">
@@ -6183,8 +6185,8 @@
           </a:p>
         </p:txBody>
       </p:sp>
-      <mc:AlternateContent xmlns:mc="http://schemas.openxmlformats.org/markup-compatibility/2006">
-        <mc:Choice xmlns:a14="http://schemas.microsoft.com/office/drawing/2010/main" Requires="a14">
+      <mc:AlternateContent xmlns:mc="http://schemas.openxmlformats.org/markup-compatibility/2006" xmlns:a14="http://schemas.microsoft.com/office/drawing/2010/main">
+        <mc:Choice Requires="a14">
           <p:sp>
             <p:nvSpPr>
               <p:cNvPr id="3" name="内容占位符 2">
@@ -6585,7 +6587,7 @@
             </p:txBody>
           </p:sp>
         </mc:Choice>
-        <mc:Fallback>
+        <mc:Fallback xmlns="">
           <p:sp>
             <p:nvSpPr>
               <p:cNvPr id="3" name="内容占位符 2">
@@ -6718,8 +6720,8 @@
           </a:p>
         </p:txBody>
       </p:sp>
-      <mc:AlternateContent xmlns:mc="http://schemas.openxmlformats.org/markup-compatibility/2006">
-        <mc:Choice xmlns:a14="http://schemas.microsoft.com/office/drawing/2010/main" Requires="a14">
+      <mc:AlternateContent xmlns:mc="http://schemas.openxmlformats.org/markup-compatibility/2006" xmlns:a14="http://schemas.microsoft.com/office/drawing/2010/main">
+        <mc:Choice Requires="a14">
           <p:sp>
             <p:nvSpPr>
               <p:cNvPr id="3" name="内容占位符 2">
@@ -6807,6 +6809,7 @@
                 </a:endParaRPr>
               </a:p>
               <a:p>
+                <a:pPr/>
                 <a14:m>
                   <m:oMathPara xmlns:m="http://schemas.openxmlformats.org/officeDocument/2006/math">
                     <m:oMathParaPr>
@@ -7152,7 +7155,7 @@
             </p:txBody>
           </p:sp>
         </mc:Choice>
-        <mc:Fallback>
+        <mc:Fallback xmlns="">
           <p:sp>
             <p:nvSpPr>
               <p:cNvPr id="3" name="内容占位符 2">
@@ -7923,8 +7926,8 @@
           </a:p>
         </p:txBody>
       </p:sp>
-      <mc:AlternateContent xmlns:mc="http://schemas.openxmlformats.org/markup-compatibility/2006">
-        <mc:Choice xmlns:a14="http://schemas.microsoft.com/office/drawing/2010/main" Requires="a14">
+      <mc:AlternateContent xmlns:mc="http://schemas.openxmlformats.org/markup-compatibility/2006" xmlns:a14="http://schemas.microsoft.com/office/drawing/2010/main">
+        <mc:Choice Requires="a14">
           <p:sp>
             <p:nvSpPr>
               <p:cNvPr id="3" name="内容占位符 2">
@@ -8265,7 +8268,7 @@
             </p:txBody>
           </p:sp>
         </mc:Choice>
-        <mc:Fallback>
+        <mc:Fallback xmlns="">
           <p:sp>
             <p:nvSpPr>
               <p:cNvPr id="3" name="内容占位符 2">
@@ -8952,14 +8955,14 @@
           </a:ln>
           <a:extLst>
             <a:ext uri="{909E8E84-426E-40dd-AFC4-6F175D3DCCD1}">
-              <a14:hiddenFill xmlns:a14="http://schemas.microsoft.com/office/drawing/2010/main" xmlns="">
+              <a14:hiddenFill xmlns="" xmlns:a14="http://schemas.microsoft.com/office/drawing/2010/main">
                 <a:solidFill>
                   <a:srgbClr val="FFFFFF"/>
                 </a:solidFill>
               </a14:hiddenFill>
             </a:ext>
             <a:ext uri="{91240B29-F687-4f45-9708-019B960494DF}">
-              <a14:hiddenLine xmlns:a14="http://schemas.microsoft.com/office/drawing/2010/main" xmlns="" w="9525">
+              <a14:hiddenLine xmlns="" xmlns:a14="http://schemas.microsoft.com/office/drawing/2010/main" w="9525">
                 <a:solidFill>
                   <a:srgbClr val="000000"/>
                 </a:solidFill>
@@ -9191,7 +9194,7 @@
           </a:ln>
           <a:extLst>
             <a:ext uri="{909E8E84-426E-40dd-AFC4-6F175D3DCCD1}">
-              <a14:hiddenFill xmlns:a14="http://schemas.microsoft.com/office/drawing/2010/main" xmlns="">
+              <a14:hiddenFill xmlns="" xmlns:a14="http://schemas.microsoft.com/office/drawing/2010/main">
                 <a:solidFill>
                   <a:srgbClr val="FFFFFF"/>
                 </a:solidFill>
@@ -9235,14 +9238,14 @@
           </a:ln>
           <a:extLst>
             <a:ext uri="{909E8E84-426E-40dd-AFC4-6F175D3DCCD1}">
-              <a14:hiddenFill xmlns:a14="http://schemas.microsoft.com/office/drawing/2010/main" xmlns="">
+              <a14:hiddenFill xmlns="" xmlns:a14="http://schemas.microsoft.com/office/drawing/2010/main">
                 <a:solidFill>
                   <a:srgbClr val="FFFFFF"/>
                 </a:solidFill>
               </a14:hiddenFill>
             </a:ext>
             <a:ext uri="{91240B29-F687-4f45-9708-019B960494DF}">
-              <a14:hiddenLine xmlns:a14="http://schemas.microsoft.com/office/drawing/2010/main" xmlns="" w="9525">
+              <a14:hiddenLine xmlns="" xmlns:a14="http://schemas.microsoft.com/office/drawing/2010/main" w="9525">
                 <a:solidFill>
                   <a:srgbClr val="000000"/>
                 </a:solidFill>
@@ -9664,8 +9667,8 @@
           </a:p>
         </p:txBody>
       </p:sp>
-      <mc:AlternateContent xmlns:mc="http://schemas.openxmlformats.org/markup-compatibility/2006">
-        <mc:Choice xmlns:a14="http://schemas.microsoft.com/office/drawing/2010/main" Requires="a14">
+      <mc:AlternateContent xmlns:mc="http://schemas.openxmlformats.org/markup-compatibility/2006" xmlns:a14="http://schemas.microsoft.com/office/drawing/2010/main">
+        <mc:Choice Requires="a14">
           <p:sp>
             <p:nvSpPr>
               <p:cNvPr id="3" name="内容占位符 2">
@@ -10533,7 +10536,7 @@
             </p:txBody>
           </p:sp>
         </mc:Choice>
-        <mc:Fallback>
+        <mc:Fallback xmlns="">
           <p:sp>
             <p:nvSpPr>
               <p:cNvPr id="3" name="内容占位符 2">
@@ -10671,8 +10674,8 @@
           </a:p>
         </p:txBody>
       </p:sp>
-      <mc:AlternateContent xmlns:mc="http://schemas.openxmlformats.org/markup-compatibility/2006">
-        <mc:Choice xmlns:a14="http://schemas.microsoft.com/office/drawing/2010/main" Requires="a14">
+      <mc:AlternateContent xmlns:mc="http://schemas.openxmlformats.org/markup-compatibility/2006" xmlns:a14="http://schemas.microsoft.com/office/drawing/2010/main">
+        <mc:Choice Requires="a14">
           <p:sp>
             <p:nvSpPr>
               <p:cNvPr id="3" name="内容占位符 2">
@@ -11030,7 +11033,7 @@
             </p:txBody>
           </p:sp>
         </mc:Choice>
-        <mc:Fallback>
+        <mc:Fallback xmlns="">
           <p:sp>
             <p:nvSpPr>
               <p:cNvPr id="3" name="内容占位符 2">
@@ -11332,14 +11335,14 @@
           </a:ln>
           <a:extLst>
             <a:ext uri="{909E8E84-426E-40dd-AFC4-6F175D3DCCD1}">
-              <a14:hiddenFill xmlns:a14="http://schemas.microsoft.com/office/drawing/2010/main" xmlns="">
+              <a14:hiddenFill xmlns="" xmlns:a14="http://schemas.microsoft.com/office/drawing/2010/main">
                 <a:solidFill>
                   <a:srgbClr val="FFFFFF"/>
                 </a:solidFill>
               </a14:hiddenFill>
             </a:ext>
             <a:ext uri="{91240B29-F687-4f45-9708-019B960494DF}">
-              <a14:hiddenLine xmlns:a14="http://schemas.microsoft.com/office/drawing/2010/main" xmlns="" w="9525">
+              <a14:hiddenLine xmlns="" xmlns:a14="http://schemas.microsoft.com/office/drawing/2010/main" w="9525">
                 <a:solidFill>
                   <a:srgbClr val="000000"/>
                 </a:solidFill>
@@ -11349,7 +11352,7 @@
               </a14:hiddenLine>
             </a:ext>
             <a:ext uri="{FAA26D3D-D897-4be2-8F04-BA451C77F1D7}">
-              <ma14:placeholderFlag xmlns:ma14="http://schemas.microsoft.com/office/mac/drawingml/2011/main" xmlns="" val="1"/>
+              <ma14:placeholderFlag xmlns="" xmlns:ma14="http://schemas.microsoft.com/office/mac/drawingml/2011/main" val="1"/>
             </a:ext>
           </a:extLst>
         </p:spPr>
@@ -13084,8 +13087,8 @@
           </a:p>
         </p:txBody>
       </p:sp>
-      <mc:AlternateContent xmlns:mc="http://schemas.openxmlformats.org/markup-compatibility/2006">
-        <mc:Choice xmlns:a14="http://schemas.microsoft.com/office/drawing/2010/main" Requires="a14">
+      <mc:AlternateContent xmlns:mc="http://schemas.openxmlformats.org/markup-compatibility/2006" xmlns:a14="http://schemas.microsoft.com/office/drawing/2010/main">
+        <mc:Choice Requires="a14">
           <p:sp>
             <p:nvSpPr>
               <p:cNvPr id="3" name="内容占位符 2">
@@ -13469,18 +13472,24 @@
                 <a14:m>
                   <m:oMath xmlns:m="http://schemas.openxmlformats.org/officeDocument/2006/math">
                     <m:r>
-                      <a:rPr lang="en-US" altLang="zh-CN"/>
+                      <a:rPr lang="en-US" altLang="zh-CN">
+                        <a:latin typeface="Cambria Math" panose="02040503050406030204" pitchFamily="18" charset="0"/>
+                      </a:rPr>
                       <m:t>𝑃</m:t>
                     </m:r>
                     <m:d>
                       <m:dPr>
                         <m:ctrlPr>
-                          <a:rPr lang="en-US" altLang="zh-CN"/>
+                          <a:rPr lang="en-US" altLang="zh-CN" i="1">
+                            <a:latin typeface="Cambria Math" panose="02040503050406030204" pitchFamily="18" charset="0"/>
+                          </a:rPr>
                         </m:ctrlPr>
                       </m:dPr>
                       <m:e>
                         <m:r>
-                          <a:rPr lang="en-US" altLang="zh-CN"/>
+                          <a:rPr lang="en-US" altLang="zh-CN">
+                            <a:latin typeface="Cambria Math" panose="02040503050406030204" pitchFamily="18" charset="0"/>
+                          </a:rPr>
                           <m:t>𝑊</m:t>
                         </m:r>
                       </m:e>
@@ -13494,110 +13503,148 @@
                 <a14:m>
                   <m:oMath xmlns:m="http://schemas.openxmlformats.org/officeDocument/2006/math">
                     <m:r>
-                      <a:rPr lang="en-US" altLang="zh-CN"/>
+                      <a:rPr lang="en-US" altLang="zh-CN">
+                        <a:latin typeface="Cambria Math" panose="02040503050406030204" pitchFamily="18" charset="0"/>
+                      </a:rPr>
                       <m:t>𝑃</m:t>
                     </m:r>
                     <m:d>
                       <m:dPr>
                         <m:ctrlPr>
-                          <a:rPr lang="en-US" altLang="zh-CN"/>
+                          <a:rPr lang="en-US" altLang="zh-CN" i="1">
+                            <a:latin typeface="Cambria Math" panose="02040503050406030204" pitchFamily="18" charset="0"/>
+                          </a:rPr>
                         </m:ctrlPr>
                       </m:dPr>
                       <m:e>
                         <m:sSub>
                           <m:sSubPr>
                             <m:ctrlPr>
-                              <a:rPr lang="en-US" altLang="zh-CN"/>
+                              <a:rPr lang="en-US" altLang="zh-CN" i="1">
+                                <a:latin typeface="Cambria Math" panose="02040503050406030204" pitchFamily="18" charset="0"/>
+                              </a:rPr>
                             </m:ctrlPr>
                           </m:sSubPr>
                           <m:e>
                             <m:r>
-                              <a:rPr lang="en-US" altLang="zh-CN"/>
+                              <a:rPr lang="en-US" altLang="zh-CN">
+                                <a:latin typeface="Cambria Math" panose="02040503050406030204" pitchFamily="18" charset="0"/>
+                              </a:rPr>
                               <m:t>𝑤</m:t>
                             </m:r>
                           </m:e>
                           <m:sub>
                             <m:r>
-                              <a:rPr lang="en-US" altLang="zh-CN"/>
+                              <a:rPr lang="en-US" altLang="zh-CN">
+                                <a:latin typeface="Cambria Math" panose="02040503050406030204" pitchFamily="18" charset="0"/>
+                              </a:rPr>
                               <m:t>𝑛</m:t>
                             </m:r>
                           </m:sub>
                         </m:sSub>
                         <m:r>
-                          <a:rPr lang="en-US" altLang="zh-CN"/>
+                          <a:rPr lang="en-US" altLang="zh-CN">
+                            <a:latin typeface="Cambria Math" panose="02040503050406030204" pitchFamily="18" charset="0"/>
+                          </a:rPr>
                           <m:t>|</m:t>
                         </m:r>
                         <m:sSub>
                           <m:sSubPr>
                             <m:ctrlPr>
-                              <a:rPr lang="en-US" altLang="zh-CN"/>
+                              <a:rPr lang="en-US" altLang="zh-CN" i="1">
+                                <a:latin typeface="Cambria Math" panose="02040503050406030204" pitchFamily="18" charset="0"/>
+                              </a:rPr>
                             </m:ctrlPr>
                           </m:sSubPr>
                           <m:e>
                             <m:r>
-                              <a:rPr lang="en-US" altLang="zh-CN"/>
+                              <a:rPr lang="en-US" altLang="zh-CN">
+                                <a:latin typeface="Cambria Math" panose="02040503050406030204" pitchFamily="18" charset="0"/>
+                              </a:rPr>
                               <m:t>𝑤</m:t>
                             </m:r>
                           </m:e>
                           <m:sub>
                             <m:r>
-                              <a:rPr lang="en-US" altLang="zh-CN"/>
+                              <a:rPr lang="en-US" altLang="zh-CN">
+                                <a:latin typeface="Cambria Math" panose="02040503050406030204" pitchFamily="18" charset="0"/>
+                              </a:rPr>
                               <m:t>1</m:t>
                             </m:r>
                           </m:sub>
                         </m:sSub>
                         <m:r>
-                          <a:rPr lang="en-US" altLang="zh-CN"/>
+                          <a:rPr lang="en-US" altLang="zh-CN">
+                            <a:latin typeface="Cambria Math" panose="02040503050406030204" pitchFamily="18" charset="0"/>
+                          </a:rPr>
                           <m:t>,</m:t>
                         </m:r>
                         <m:sSub>
                           <m:sSubPr>
                             <m:ctrlPr>
-                              <a:rPr lang="en-US" altLang="zh-CN"/>
+                              <a:rPr lang="en-US" altLang="zh-CN" i="1">
+                                <a:latin typeface="Cambria Math" panose="02040503050406030204" pitchFamily="18" charset="0"/>
+                              </a:rPr>
                             </m:ctrlPr>
                           </m:sSubPr>
                           <m:e>
                             <m:r>
-                              <a:rPr lang="en-US" altLang="zh-CN"/>
+                              <a:rPr lang="en-US" altLang="zh-CN">
+                                <a:latin typeface="Cambria Math" panose="02040503050406030204" pitchFamily="18" charset="0"/>
+                              </a:rPr>
                               <m:t>𝑤</m:t>
                             </m:r>
                           </m:e>
                           <m:sub>
                             <m:r>
-                              <a:rPr lang="en-US" altLang="zh-CN"/>
+                              <a:rPr lang="en-US" altLang="zh-CN">
+                                <a:latin typeface="Cambria Math" panose="02040503050406030204" pitchFamily="18" charset="0"/>
+                              </a:rPr>
                               <m:t>2</m:t>
                             </m:r>
                           </m:sub>
                         </m:sSub>
                         <m:r>
-                          <a:rPr lang="en-US" altLang="zh-CN"/>
+                          <a:rPr lang="en-US" altLang="zh-CN">
+                            <a:latin typeface="Cambria Math" panose="02040503050406030204" pitchFamily="18" charset="0"/>
+                          </a:rPr>
                           <m:t>,…,</m:t>
                         </m:r>
                         <m:sSub>
                           <m:sSubPr>
                             <m:ctrlPr>
-                              <a:rPr lang="en-US" altLang="zh-CN"/>
+                              <a:rPr lang="en-US" altLang="zh-CN" i="1">
+                                <a:latin typeface="Cambria Math" panose="02040503050406030204" pitchFamily="18" charset="0"/>
+                              </a:rPr>
                             </m:ctrlPr>
                           </m:sSubPr>
                           <m:e>
                             <m:r>
-                              <a:rPr lang="en-US" altLang="zh-CN"/>
+                              <a:rPr lang="en-US" altLang="zh-CN">
+                                <a:latin typeface="Cambria Math" panose="02040503050406030204" pitchFamily="18" charset="0"/>
+                              </a:rPr>
                               <m:t>𝑤</m:t>
                             </m:r>
                           </m:e>
                           <m:sub>
                             <m:r>
-                              <a:rPr lang="en-US" altLang="zh-CN"/>
+                              <a:rPr lang="en-US" altLang="zh-CN">
+                                <a:latin typeface="Cambria Math" panose="02040503050406030204" pitchFamily="18" charset="0"/>
+                              </a:rPr>
                               <m:t>𝑛</m:t>
                             </m:r>
                             <m:r>
-                              <a:rPr lang="en-US" altLang="zh-CN"/>
+                              <a:rPr lang="en-US" altLang="zh-CN">
+                                <a:latin typeface="Cambria Math" panose="02040503050406030204" pitchFamily="18" charset="0"/>
+                              </a:rPr>
                               <m:t>−1</m:t>
                             </m:r>
                           </m:sub>
                         </m:sSub>
                         <m:r>
-                          <a:rPr lang="en-US" altLang="zh-CN"/>
+                          <a:rPr lang="en-US" altLang="zh-CN">
+                            <a:latin typeface="Cambria Math" panose="02040503050406030204" pitchFamily="18" charset="0"/>
+                          </a:rPr>
                           <m:t> </m:t>
                         </m:r>
                       </m:e>
@@ -13609,7 +13656,7 @@
             </p:txBody>
           </p:sp>
         </mc:Choice>
-        <mc:Fallback>
+        <mc:Fallback xmlns="">
           <p:sp>
             <p:nvSpPr>
               <p:cNvPr id="3" name="内容占位符 2">
@@ -13747,8 +13794,8 @@
           </a:p>
         </p:txBody>
       </p:sp>
-      <mc:AlternateContent xmlns:mc="http://schemas.openxmlformats.org/markup-compatibility/2006">
-        <mc:Choice xmlns:a14="http://schemas.microsoft.com/office/drawing/2010/main" Requires="a14">
+      <mc:AlternateContent xmlns:mc="http://schemas.openxmlformats.org/markup-compatibility/2006" xmlns:a14="http://schemas.microsoft.com/office/drawing/2010/main">
+        <mc:Choice Requires="a14">
           <p:sp>
             <p:nvSpPr>
               <p:cNvPr id="3" name="内容占位符 2">
@@ -13926,7 +13973,7 @@
             </p:txBody>
           </p:sp>
         </mc:Choice>
-        <mc:Fallback>
+        <mc:Fallback xmlns="">
           <p:sp>
             <p:nvSpPr>
               <p:cNvPr id="3" name="内容占位符 2">
@@ -14029,7 +14076,7 @@
           </a:ln>
           <a:extLst>
             <a:ext uri="{909E8E84-426E-40dd-AFC4-6F175D3DCCD1}">
-              <a14:hiddenFill xmlns:a14="http://schemas.microsoft.com/office/drawing/2010/main" xmlns="">
+              <a14:hiddenFill xmlns="" xmlns:a14="http://schemas.microsoft.com/office/drawing/2010/main">
                 <a:solidFill>
                   <a:srgbClr val="FFFFFF"/>
                 </a:solidFill>
@@ -14211,14 +14258,14 @@
           </a:ln>
           <a:extLst>
             <a:ext uri="{909E8E84-426E-40dd-AFC4-6F175D3DCCD1}">
-              <a14:hiddenFill xmlns:a14="http://schemas.microsoft.com/office/drawing/2010/main" xmlns="">
+              <a14:hiddenFill xmlns="" xmlns:a14="http://schemas.microsoft.com/office/drawing/2010/main">
                 <a:solidFill>
                   <a:srgbClr val="FFFFFF"/>
                 </a:solidFill>
               </a14:hiddenFill>
             </a:ext>
             <a:ext uri="{91240B29-F687-4f45-9708-019B960494DF}">
-              <a14:hiddenLine xmlns:a14="http://schemas.microsoft.com/office/drawing/2010/main" xmlns="" w="9525">
+              <a14:hiddenLine xmlns="" xmlns:a14="http://schemas.microsoft.com/office/drawing/2010/main" w="9525">
                 <a:solidFill>
                   <a:srgbClr val="000000"/>
                 </a:solidFill>
@@ -14428,14 +14475,14 @@
           </a:ln>
           <a:extLst>
             <a:ext uri="{909E8E84-426E-40dd-AFC4-6F175D3DCCD1}">
-              <a14:hiddenFill xmlns:a14="http://schemas.microsoft.com/office/drawing/2010/main" xmlns="">
+              <a14:hiddenFill xmlns="" xmlns:a14="http://schemas.microsoft.com/office/drawing/2010/main">
                 <a:solidFill>
                   <a:srgbClr val="FFFFFF"/>
                 </a:solidFill>
               </a14:hiddenFill>
             </a:ext>
             <a:ext uri="{91240B29-F687-4f45-9708-019B960494DF}">
-              <a14:hiddenLine xmlns:a14="http://schemas.microsoft.com/office/drawing/2010/main" xmlns="" w="9525">
+              <a14:hiddenLine xmlns="" xmlns:a14="http://schemas.microsoft.com/office/drawing/2010/main" w="9525">
                 <a:solidFill>
                   <a:srgbClr val="000000"/>
                 </a:solidFill>
@@ -14599,14 +14646,14 @@
           </a:ln>
           <a:extLst>
             <a:ext uri="{909E8E84-426E-40dd-AFC4-6F175D3DCCD1}">
-              <a14:hiddenFill xmlns:a14="http://schemas.microsoft.com/office/drawing/2010/main" xmlns="">
+              <a14:hiddenFill xmlns="" xmlns:a14="http://schemas.microsoft.com/office/drawing/2010/main">
                 <a:solidFill>
                   <a:srgbClr val="FFFFFF"/>
                 </a:solidFill>
               </a14:hiddenFill>
             </a:ext>
             <a:ext uri="{91240B29-F687-4f45-9708-019B960494DF}">
-              <a14:hiddenLine xmlns:a14="http://schemas.microsoft.com/office/drawing/2010/main" xmlns="" w="9525">
+              <a14:hiddenLine xmlns="" xmlns:a14="http://schemas.microsoft.com/office/drawing/2010/main" w="9525">
                 <a:solidFill>
                   <a:srgbClr val="000000"/>
                 </a:solidFill>
@@ -14770,14 +14817,14 @@
           </a:ln>
           <a:extLst>
             <a:ext uri="{909E8E84-426E-40dd-AFC4-6F175D3DCCD1}">
-              <a14:hiddenFill xmlns:a14="http://schemas.microsoft.com/office/drawing/2010/main" xmlns="">
+              <a14:hiddenFill xmlns="" xmlns:a14="http://schemas.microsoft.com/office/drawing/2010/main">
                 <a:solidFill>
                   <a:srgbClr val="FFFFFF"/>
                 </a:solidFill>
               </a14:hiddenFill>
             </a:ext>
             <a:ext uri="{91240B29-F687-4f45-9708-019B960494DF}">
-              <a14:hiddenLine xmlns:a14="http://schemas.microsoft.com/office/drawing/2010/main" xmlns="" w="9525">
+              <a14:hiddenLine xmlns="" xmlns:a14="http://schemas.microsoft.com/office/drawing/2010/main" w="9525">
                 <a:solidFill>
                   <a:srgbClr val="000000"/>
                 </a:solidFill>
@@ -14946,7 +14993,7 @@
           </a:ln>
           <a:extLst>
             <a:ext uri="{909E8E84-426E-40dd-AFC4-6F175D3DCCD1}">
-              <a14:hiddenFill xmlns:a14="http://schemas.microsoft.com/office/drawing/2010/main" xmlns="">
+              <a14:hiddenFill xmlns="" xmlns:a14="http://schemas.microsoft.com/office/drawing/2010/main">
                 <a:solidFill>
                   <a:srgbClr val="FFFFFF"/>
                 </a:solidFill>
@@ -15122,14 +15169,14 @@
           </a:ln>
           <a:extLst>
             <a:ext uri="{909E8E84-426E-40dd-AFC4-6F175D3DCCD1}">
-              <a14:hiddenFill xmlns:a14="http://schemas.microsoft.com/office/drawing/2010/main" xmlns="">
+              <a14:hiddenFill xmlns="" xmlns:a14="http://schemas.microsoft.com/office/drawing/2010/main">
                 <a:solidFill>
                   <a:srgbClr val="FFFFFF"/>
                 </a:solidFill>
               </a14:hiddenFill>
             </a:ext>
             <a:ext uri="{91240B29-F687-4f45-9708-019B960494DF}">
-              <a14:hiddenLine xmlns:a14="http://schemas.microsoft.com/office/drawing/2010/main" xmlns="" w="9525">
+              <a14:hiddenLine xmlns="" xmlns:a14="http://schemas.microsoft.com/office/drawing/2010/main" w="9525">
                 <a:solidFill>
                   <a:srgbClr val="000000"/>
                 </a:solidFill>
@@ -15336,14 +15383,14 @@
           </a:ln>
           <a:extLst>
             <a:ext uri="{909E8E84-426E-40dd-AFC4-6F175D3DCCD1}">
-              <a14:hiddenFill xmlns:a14="http://schemas.microsoft.com/office/drawing/2010/main" xmlns="">
+              <a14:hiddenFill xmlns="" xmlns:a14="http://schemas.microsoft.com/office/drawing/2010/main">
                 <a:solidFill>
                   <a:srgbClr val="FFFFFF"/>
                 </a:solidFill>
               </a14:hiddenFill>
             </a:ext>
             <a:ext uri="{91240B29-F687-4f45-9708-019B960494DF}">
-              <a14:hiddenLine xmlns:a14="http://schemas.microsoft.com/office/drawing/2010/main" xmlns="" w="9525">
+              <a14:hiddenLine xmlns="" xmlns:a14="http://schemas.microsoft.com/office/drawing/2010/main" w="9525">
                 <a:solidFill>
                   <a:srgbClr val="000000"/>
                 </a:solidFill>
@@ -15507,14 +15554,14 @@
           </a:ln>
           <a:extLst>
             <a:ext uri="{909E8E84-426E-40dd-AFC4-6F175D3DCCD1}">
-              <a14:hiddenFill xmlns:a14="http://schemas.microsoft.com/office/drawing/2010/main" xmlns="">
+              <a14:hiddenFill xmlns="" xmlns:a14="http://schemas.microsoft.com/office/drawing/2010/main">
                 <a:solidFill>
                   <a:srgbClr val="FFFFFF"/>
                 </a:solidFill>
               </a14:hiddenFill>
             </a:ext>
             <a:ext uri="{91240B29-F687-4f45-9708-019B960494DF}">
-              <a14:hiddenLine xmlns:a14="http://schemas.microsoft.com/office/drawing/2010/main" xmlns="" w="9525">
+              <a14:hiddenLine xmlns="" xmlns:a14="http://schemas.microsoft.com/office/drawing/2010/main" w="9525">
                 <a:solidFill>
                   <a:srgbClr val="000000"/>
                 </a:solidFill>
@@ -15678,14 +15725,14 @@
           </a:ln>
           <a:extLst>
             <a:ext uri="{909E8E84-426E-40dd-AFC4-6F175D3DCCD1}">
-              <a14:hiddenFill xmlns:a14="http://schemas.microsoft.com/office/drawing/2010/main" xmlns="">
+              <a14:hiddenFill xmlns="" xmlns:a14="http://schemas.microsoft.com/office/drawing/2010/main">
                 <a:solidFill>
                   <a:srgbClr val="FFFFFF"/>
                 </a:solidFill>
               </a14:hiddenFill>
             </a:ext>
             <a:ext uri="{91240B29-F687-4f45-9708-019B960494DF}">
-              <a14:hiddenLine xmlns:a14="http://schemas.microsoft.com/office/drawing/2010/main" xmlns="" w="9525">
+              <a14:hiddenLine xmlns="" xmlns:a14="http://schemas.microsoft.com/office/drawing/2010/main" w="9525">
                 <a:solidFill>
                   <a:srgbClr val="000000"/>
                 </a:solidFill>
@@ -16218,8 +16265,8 @@
           </a:p>
         </p:txBody>
       </p:sp>
-      <mc:AlternateContent xmlns:mc="http://schemas.openxmlformats.org/markup-compatibility/2006">
-        <mc:Choice xmlns:a14="http://schemas.microsoft.com/office/drawing/2010/main" Requires="a14">
+      <mc:AlternateContent xmlns:mc="http://schemas.openxmlformats.org/markup-compatibility/2006" xmlns:a14="http://schemas.microsoft.com/office/drawing/2010/main">
+        <mc:Choice Requires="a14">
           <p:sp>
             <p:nvSpPr>
               <p:cNvPr id="3" name="内容占位符 2">
@@ -16836,7 +16883,7 @@
             </p:txBody>
           </p:sp>
         </mc:Choice>
-        <mc:Fallback>
+        <mc:Fallback xmlns="">
           <p:sp>
             <p:nvSpPr>
               <p:cNvPr id="3" name="内容占位符 2">
@@ -17442,8 +17489,8 @@
           </a:p>
         </p:txBody>
       </p:sp>
-      <mc:AlternateContent xmlns:mc="http://schemas.openxmlformats.org/markup-compatibility/2006">
-        <mc:Choice xmlns:a14="http://schemas.microsoft.com/office/drawing/2010/main" Requires="a14">
+      <mc:AlternateContent xmlns:mc="http://schemas.openxmlformats.org/markup-compatibility/2006" xmlns:a14="http://schemas.microsoft.com/office/drawing/2010/main">
+        <mc:Choice Requires="a14">
           <p:sp>
             <p:nvSpPr>
               <p:cNvPr id="6" name="内容占位符 5">
@@ -17465,6 +17512,7 @@
               <a:bodyPr/>
               <a:lstStyle/>
               <a:p>
+                <a:pPr/>
                 <a14:m>
                   <m:oMathPara xmlns:m="http://schemas.openxmlformats.org/officeDocument/2006/math">
                     <m:oMathParaPr>
@@ -17728,7 +17776,7 @@
             </p:txBody>
           </p:sp>
         </mc:Choice>
-        <mc:Fallback>
+        <mc:Fallback xmlns="">
           <p:sp>
             <p:nvSpPr>
               <p:cNvPr id="6" name="内容占位符 5">
@@ -17904,8 +17952,8 @@
           </a:p>
         </p:txBody>
       </p:sp>
-      <mc:AlternateContent xmlns:mc="http://schemas.openxmlformats.org/markup-compatibility/2006">
-        <mc:Choice xmlns:a14="http://schemas.microsoft.com/office/drawing/2010/main" Requires="a14">
+      <mc:AlternateContent xmlns:mc="http://schemas.openxmlformats.org/markup-compatibility/2006" xmlns:a14="http://schemas.microsoft.com/office/drawing/2010/main">
+        <mc:Choice Requires="a14">
           <p:sp>
             <p:nvSpPr>
               <p:cNvPr id="6" name="内容占位符 5">
@@ -17927,6 +17975,7 @@
               <a:bodyPr/>
               <a:lstStyle/>
               <a:p>
+                <a:pPr/>
                 <a14:m>
                   <m:oMathPara xmlns:m="http://schemas.openxmlformats.org/officeDocument/2006/math">
                     <m:oMathParaPr>
@@ -18024,13 +18073,7 @@
                         <a:rPr lang="en-US" altLang="zh-CN" i="1">
                           <a:latin typeface="Cambria Math" panose="02040503050406030204" pitchFamily="18" charset="0"/>
                         </a:rPr>
-                        <m:t>)</m:t>
-                      </m:r>
-                      <m:r>
-                        <a:rPr lang="en-US" altLang="zh-CN" i="1">
-                          <a:latin typeface="Cambria Math" panose="02040503050406030204" pitchFamily="18" charset="0"/>
-                        </a:rPr>
-                        <m:t>=</m:t>
+                        <m:t>)=</m:t>
                       </m:r>
                       <m:f>
                         <m:fPr>
@@ -18263,7 +18306,7 @@
             </p:txBody>
           </p:sp>
         </mc:Choice>
-        <mc:Fallback>
+        <mc:Fallback xmlns="">
           <p:sp>
             <p:nvSpPr>
               <p:cNvPr id="6" name="内容占位符 5">
@@ -18468,7 +18511,6 @@
           <a:bodyPr/>
           <a:lstStyle/>
           <a:p>
-            <a:pPr/>
             <a:endParaRPr lang="zh-CN" altLang="en-US" dirty="0"/>
           </a:p>
           <a:p>
@@ -19637,8 +19679,8 @@
           <a:chExt cx="0" cy="0"/>
         </a:xfrm>
       </p:grpSpPr>
-      <mc:AlternateContent xmlns:mc="http://schemas.openxmlformats.org/markup-compatibility/2006">
-        <mc:Choice xmlns:a14="http://schemas.microsoft.com/office/drawing/2010/main" Requires="a14">
+      <mc:AlternateContent xmlns:mc="http://schemas.openxmlformats.org/markup-compatibility/2006" xmlns:a14="http://schemas.microsoft.com/office/drawing/2010/main">
+        <mc:Choice Requires="a14">
           <p:sp>
             <p:nvSpPr>
               <p:cNvPr id="2" name="标题 1">
@@ -19699,7 +19741,7 @@
             </p:txBody>
           </p:sp>
         </mc:Choice>
-        <mc:Fallback>
+        <mc:Fallback xmlns="">
           <p:sp>
             <p:nvSpPr>
               <p:cNvPr id="2" name="标题 1">
@@ -19739,8 +19781,8 @@
           </p:sp>
         </mc:Fallback>
       </mc:AlternateContent>
-      <mc:AlternateContent xmlns:mc="http://schemas.openxmlformats.org/markup-compatibility/2006">
-        <mc:Choice xmlns:a14="http://schemas.microsoft.com/office/drawing/2010/main" Requires="a14">
+      <mc:AlternateContent xmlns:mc="http://schemas.openxmlformats.org/markup-compatibility/2006" xmlns:a14="http://schemas.microsoft.com/office/drawing/2010/main">
+        <mc:Choice Requires="a14">
           <p:sp>
             <p:nvSpPr>
               <p:cNvPr id="3" name="内容占位符 2">
@@ -21080,7 +21122,7 @@
             </p:txBody>
           </p:sp>
         </mc:Choice>
-        <mc:Fallback>
+        <mc:Fallback xmlns="">
           <p:sp>
             <p:nvSpPr>
               <p:cNvPr id="3" name="内容占位符 2">
@@ -21183,8 +21225,8 @@
           <a:chExt cx="0" cy="0"/>
         </a:xfrm>
       </p:grpSpPr>
-      <mc:AlternateContent xmlns:mc="http://schemas.openxmlformats.org/markup-compatibility/2006">
-        <mc:Choice xmlns:a14="http://schemas.microsoft.com/office/drawing/2010/main" Requires="a14">
+      <mc:AlternateContent xmlns:mc="http://schemas.openxmlformats.org/markup-compatibility/2006" xmlns:a14="http://schemas.microsoft.com/office/drawing/2010/main">
+        <mc:Choice Requires="a14">
           <p:sp>
             <p:nvSpPr>
               <p:cNvPr id="2" name="标题 1">
@@ -21243,7 +21285,7 @@
             </p:txBody>
           </p:sp>
         </mc:Choice>
-        <mc:Fallback>
+        <mc:Fallback xmlns="">
           <p:sp>
             <p:nvSpPr>
               <p:cNvPr id="2" name="标题 1">
@@ -21283,8 +21325,8 @@
           </p:sp>
         </mc:Fallback>
       </mc:AlternateContent>
-      <mc:AlternateContent xmlns:mc="http://schemas.openxmlformats.org/markup-compatibility/2006">
-        <mc:Choice xmlns:a14="http://schemas.microsoft.com/office/drawing/2010/main" Requires="a14">
+      <mc:AlternateContent xmlns:mc="http://schemas.openxmlformats.org/markup-compatibility/2006" xmlns:a14="http://schemas.microsoft.com/office/drawing/2010/main">
+        <mc:Choice Requires="a14">
           <p:sp>
             <p:nvSpPr>
               <p:cNvPr id="3" name="内容占位符 2">
@@ -21579,7 +21621,7 @@
             </p:txBody>
           </p:sp>
         </mc:Choice>
-        <mc:Fallback>
+        <mc:Fallback xmlns="">
           <p:sp>
             <p:nvSpPr>
               <p:cNvPr id="3" name="内容占位符 2">
@@ -21710,8 +21752,8 @@
           </a:p>
         </p:txBody>
       </p:sp>
-      <mc:AlternateContent xmlns:mc="http://schemas.openxmlformats.org/markup-compatibility/2006">
-        <mc:Choice xmlns:a14="http://schemas.microsoft.com/office/drawing/2010/main" Requires="a14">
+      <mc:AlternateContent xmlns:mc="http://schemas.openxmlformats.org/markup-compatibility/2006" xmlns:a14="http://schemas.microsoft.com/office/drawing/2010/main">
+        <mc:Choice Requires="a14">
           <p:sp>
             <p:nvSpPr>
               <p:cNvPr id="3" name="内容占位符 2">
@@ -22600,7 +22642,7 @@
             </p:txBody>
           </p:sp>
         </mc:Choice>
-        <mc:Fallback>
+        <mc:Fallback xmlns="">
           <p:sp>
             <p:nvSpPr>
               <p:cNvPr id="3" name="内容占位符 2">
@@ -22936,8 +22978,8 @@
           </a:p>
         </p:txBody>
       </p:sp>
-      <mc:AlternateContent xmlns:mc="http://schemas.openxmlformats.org/markup-compatibility/2006">
-        <mc:Choice xmlns:a14="http://schemas.microsoft.com/office/drawing/2010/main" Requires="a14">
+      <mc:AlternateContent xmlns:mc="http://schemas.openxmlformats.org/markup-compatibility/2006" xmlns:a14="http://schemas.microsoft.com/office/drawing/2010/main">
+        <mc:Choice Requires="a14">
           <p:sp>
             <p:nvSpPr>
               <p:cNvPr id="3" name="内容占位符 2">
@@ -23282,7 +23324,7 @@
             </p:txBody>
           </p:sp>
         </mc:Choice>
-        <mc:Fallback>
+        <mc:Fallback xmlns="">
           <p:sp>
             <p:nvSpPr>
               <p:cNvPr id="3" name="内容占位符 2">
@@ -23420,8 +23462,8 @@
           </a:p>
         </p:txBody>
       </p:sp>
-      <mc:AlternateContent xmlns:mc="http://schemas.openxmlformats.org/markup-compatibility/2006">
-        <mc:Choice xmlns:a14="http://schemas.microsoft.com/office/drawing/2010/main" Requires="a14">
+      <mc:AlternateContent xmlns:mc="http://schemas.openxmlformats.org/markup-compatibility/2006" xmlns:a14="http://schemas.microsoft.com/office/drawing/2010/main">
+        <mc:Choice Requires="a14">
           <p:sp>
             <p:nvSpPr>
               <p:cNvPr id="3" name="内容占位符 2">
@@ -23813,7 +23855,7 @@
             </p:txBody>
           </p:sp>
         </mc:Choice>
-        <mc:Fallback>
+        <mc:Fallback xmlns="">
           <p:sp>
             <p:nvSpPr>
               <p:cNvPr id="3" name="内容占位符 2">
